--- a/WebContent/WEB-INF/doc/JSP Google Project.pptx
+++ b/WebContent/WEB-INF/doc/JSP Google Project.pptx
@@ -246,7 +246,7 @@
           <a:p>
             <a:fld id="{B4815252-B53E-450E-8F2F-72396BCD3D98}" type="datetimeFigureOut">
               <a:rPr lang="ko-KR" altLang="en-US" smtClean="0"/>
-              <a:t>2023-08-17</a:t>
+              <a:t>2023-08-18</a:t>
             </a:fld>
             <a:endParaRPr lang="ko-KR" altLang="en-US"/>
           </a:p>
@@ -423,7 +423,7 @@
           <a:p>
             <a:fld id="{7BF5E78B-FE7C-474B-AC91-ABC1B62969E2}" type="datetimeFigureOut">
               <a:rPr lang="en-US" smtClean="0"/>
-              <a:t>8/17/2023</a:t>
+              <a:t>8/18/2023</a:t>
             </a:fld>
             <a:endParaRPr lang="en-US"/>
           </a:p>
@@ -21322,8 +21322,8 @@
         </p:nvSpPr>
         <p:spPr>
           <a:xfrm>
-            <a:off x="7525512" y="4309276"/>
-            <a:ext cx="3118104" cy="1585049"/>
+            <a:off x="7726680" y="4290988"/>
+            <a:ext cx="3118104" cy="2000548"/>
           </a:xfrm>
           <a:prstGeom prst="rect">
             <a:avLst/>
@@ -21338,37 +21338,64 @@
           <a:p>
             <a:pPr algn="r"/>
             <a:r>
-              <a:rPr lang="ko-KR" altLang="en-US" sz="1800" b="1" dirty="0" err="1"/>
+              <a:rPr lang="ko-KR" altLang="en-US" sz="2400" b="1" dirty="0" err="1">
+                <a:latin typeface="맑은 고딕" panose="020B0503020000020004" pitchFamily="50" charset="-127"/>
+                <a:ea typeface="맑은 고딕" panose="020B0503020000020004" pitchFamily="50" charset="-127"/>
+              </a:rPr>
               <a:t>조남용</a:t>
             </a:r>
-            <a:endParaRPr lang="en-US" altLang="ko-KR" sz="1800" b="1" dirty="0"/>
+            <a:endParaRPr lang="en-US" altLang="ko-KR" sz="2400" b="1" dirty="0">
+              <a:latin typeface="맑은 고딕" panose="020B0503020000020004" pitchFamily="50" charset="-127"/>
+              <a:ea typeface="맑은 고딕" panose="020B0503020000020004" pitchFamily="50" charset="-127"/>
+            </a:endParaRPr>
           </a:p>
           <a:p>
             <a:pPr algn="r"/>
-            <a:endParaRPr lang="en-US" altLang="ko-KR" sz="1100" b="1" dirty="0"/>
+            <a:endParaRPr lang="en-US" altLang="ko-KR" sz="1400" b="1" dirty="0">
+              <a:latin typeface="맑은 고딕" panose="020B0503020000020004" pitchFamily="50" charset="-127"/>
+              <a:ea typeface="맑은 고딕" panose="020B0503020000020004" pitchFamily="50" charset="-127"/>
+            </a:endParaRPr>
           </a:p>
           <a:p>
             <a:pPr algn="r"/>
             <a:r>
-              <a:rPr lang="ko-KR" altLang="en-US" sz="1800" b="1" dirty="0"/>
+              <a:rPr lang="ko-KR" altLang="en-US" sz="2400" b="1" dirty="0">
+                <a:latin typeface="맑은 고딕" panose="020B0503020000020004" pitchFamily="50" charset="-127"/>
+                <a:ea typeface="맑은 고딕" panose="020B0503020000020004" pitchFamily="50" charset="-127"/>
+              </a:rPr>
               <a:t>김태규</a:t>
             </a:r>
-            <a:endParaRPr lang="en-US" altLang="ko-KR" sz="1800" b="1" dirty="0"/>
+            <a:endParaRPr lang="en-US" altLang="ko-KR" sz="2400" b="1" dirty="0">
+              <a:latin typeface="맑은 고딕" panose="020B0503020000020004" pitchFamily="50" charset="-127"/>
+              <a:ea typeface="맑은 고딕" panose="020B0503020000020004" pitchFamily="50" charset="-127"/>
+            </a:endParaRPr>
           </a:p>
           <a:p>
             <a:pPr algn="r"/>
-            <a:endParaRPr lang="en-US" altLang="ko-KR" sz="1100" b="1" dirty="0"/>
+            <a:endParaRPr lang="en-US" altLang="ko-KR" sz="1400" b="1" dirty="0">
+              <a:latin typeface="맑은 고딕" panose="020B0503020000020004" pitchFamily="50" charset="-127"/>
+              <a:ea typeface="맑은 고딕" panose="020B0503020000020004" pitchFamily="50" charset="-127"/>
+            </a:endParaRPr>
           </a:p>
           <a:p>
             <a:pPr algn="r"/>
             <a:r>
-              <a:rPr lang="ko-KR" altLang="en-US" sz="1800" b="1" dirty="0"/>
+              <a:rPr lang="ko-KR" altLang="en-US" sz="2400" b="1" dirty="0">
+                <a:latin typeface="맑은 고딕" panose="020B0503020000020004" pitchFamily="50" charset="-127"/>
+                <a:ea typeface="맑은 고딕" panose="020B0503020000020004" pitchFamily="50" charset="-127"/>
+              </a:rPr>
               <a:t>김용원</a:t>
             </a:r>
-            <a:endParaRPr lang="en-US" altLang="ko-KR" sz="1800" b="1" dirty="0"/>
-          </a:p>
-          <a:p>
-            <a:endParaRPr lang="en-US" altLang="ko-KR" sz="1800" dirty="0"/>
+            <a:endParaRPr lang="en-US" altLang="ko-KR" sz="2400" b="1" dirty="0">
+              <a:latin typeface="맑은 고딕" panose="020B0503020000020004" pitchFamily="50" charset="-127"/>
+              <a:ea typeface="맑은 고딕" panose="020B0503020000020004" pitchFamily="50" charset="-127"/>
+            </a:endParaRPr>
+          </a:p>
+          <a:p>
+            <a:endParaRPr lang="en-US" altLang="ko-KR" sz="2400" dirty="0">
+              <a:latin typeface="맑은 고딕" panose="020B0503020000020004" pitchFamily="50" charset="-127"/>
+              <a:ea typeface="맑은 고딕" panose="020B0503020000020004" pitchFamily="50" charset="-127"/>
+            </a:endParaRPr>
           </a:p>
         </p:txBody>
       </p:sp>

--- a/WebContent/WEB-INF/doc/JSP Google Project.pptx
+++ b/WebContent/WEB-INF/doc/JSP Google Project.pptx
@@ -35147,10 +35147,10 @@
       </p:sp>
       <p:sp>
         <p:nvSpPr>
-          <p:cNvPr id="5" name="직사각형 4">
+          <p:cNvPr id="7" name="직사각형 6">
             <a:extLst>
               <a:ext uri="{FF2B5EF4-FFF2-40B4-BE49-F238E27FC236}">
-                <a16:creationId xmlns:a16="http://schemas.microsoft.com/office/drawing/2014/main" id="{CBF06090-3E68-4096-A807-9EB69276A070}"/>
+                <a16:creationId xmlns:a16="http://schemas.microsoft.com/office/drawing/2014/main" id="{0DEFD04E-AB34-4863-A389-0E863459EBD7}"/>
               </a:ext>
             </a:extLst>
           </p:cNvPr>
@@ -35159,12 +35159,15 @@
         </p:nvSpPr>
         <p:spPr>
           <a:xfrm>
-            <a:off x="5215793" y="1460500"/>
-            <a:ext cx="1814513" cy="2419350"/>
+            <a:off x="1751136" y="4178300"/>
+            <a:ext cx="1814514" cy="1085850"/>
           </a:xfrm>
           <a:prstGeom prst="rect">
             <a:avLst/>
           </a:prstGeom>
+          <a:ln>
+            <a:noFill/>
+          </a:ln>
         </p:spPr>
         <p:style>
           <a:lnRef idx="2">
@@ -35185,52 +35188,8 @@
           <a:lstStyle/>
           <a:p>
             <a:pPr algn="ctr"/>
-            <a:endParaRPr lang="ko-KR" altLang="en-US"/>
-          </a:p>
-        </p:txBody>
-      </p:sp>
-      <p:sp>
-        <p:nvSpPr>
-          <p:cNvPr id="7" name="직사각형 6">
-            <a:extLst>
-              <a:ext uri="{FF2B5EF4-FFF2-40B4-BE49-F238E27FC236}">
-                <a16:creationId xmlns:a16="http://schemas.microsoft.com/office/drawing/2014/main" id="{0DEFD04E-AB34-4863-A389-0E863459EBD7}"/>
-              </a:ext>
-            </a:extLst>
-          </p:cNvPr>
-          <p:cNvSpPr/>
-          <p:nvPr/>
-        </p:nvSpPr>
-        <p:spPr>
-          <a:xfrm>
-            <a:off x="1751136" y="4178300"/>
-            <a:ext cx="1814514" cy="1085850"/>
-          </a:xfrm>
-          <a:prstGeom prst="rect">
-            <a:avLst/>
-          </a:prstGeom>
-        </p:spPr>
-        <p:style>
-          <a:lnRef idx="2">
-            <a:schemeClr val="accent4"/>
-          </a:lnRef>
-          <a:fillRef idx="1">
-            <a:schemeClr val="lt1"/>
-          </a:fillRef>
-          <a:effectRef idx="0">
-            <a:schemeClr val="accent4"/>
-          </a:effectRef>
-          <a:fontRef idx="minor">
-            <a:schemeClr val="dk1"/>
-          </a:fontRef>
-        </p:style>
-        <p:txBody>
-          <a:bodyPr rtlCol="0" anchor="ctr"/>
-          <a:lstStyle/>
-          <a:p>
-            <a:pPr algn="ctr"/>
-            <a:r>
-              <a:rPr lang="ko-KR" altLang="en-US" dirty="0" err="1">
+            <a:r>
+              <a:rPr lang="ko-KR" altLang="en-US" b="1" dirty="0" err="1">
                 <a:solidFill>
                   <a:schemeClr val="bg2">
                     <a:lumMod val="10000"/>
@@ -35239,7 +35198,7 @@
               </a:rPr>
               <a:t>조남용</a:t>
             </a:r>
-            <a:endParaRPr lang="ko-KR" altLang="en-US" dirty="0">
+            <a:endParaRPr lang="ko-KR" altLang="en-US" b="1" dirty="0">
               <a:solidFill>
                 <a:schemeClr val="bg2">
                   <a:lumMod val="10000"/>
@@ -35269,6 +35228,9 @@
           <a:prstGeom prst="rect">
             <a:avLst/>
           </a:prstGeom>
+          <a:ln>
+            <a:noFill/>
+          </a:ln>
         </p:spPr>
         <p:style>
           <a:lnRef idx="2">
@@ -35290,7 +35252,7 @@
           <a:p>
             <a:pPr algn="ctr"/>
             <a:r>
-              <a:rPr lang="ko-KR" altLang="en-US" dirty="0">
+              <a:rPr lang="ko-KR" altLang="en-US" b="1" dirty="0">
                 <a:solidFill>
                   <a:schemeClr val="bg2">
                     <a:lumMod val="10000"/>
@@ -35322,6 +35284,9 @@
           <a:prstGeom prst="rect">
             <a:avLst/>
           </a:prstGeom>
+          <a:ln>
+            <a:noFill/>
+          </a:ln>
         </p:spPr>
         <p:style>
           <a:lnRef idx="2">
@@ -35343,7 +35308,7 @@
           <a:p>
             <a:pPr algn="ctr"/>
             <a:r>
-              <a:rPr lang="ko-KR" altLang="en-US" dirty="0">
+              <a:rPr lang="ko-KR" altLang="en-US" b="1" dirty="0">
                 <a:solidFill>
                   <a:schemeClr val="bg2">
                     <a:lumMod val="10000"/>
@@ -35409,6 +35374,36 @@
           <a:xfrm>
             <a:off x="1447551" y="1460500"/>
             <a:ext cx="2421683" cy="2419350"/>
+          </a:xfrm>
+          <a:prstGeom prst="rect">
+            <a:avLst/>
+          </a:prstGeom>
+        </p:spPr>
+      </p:pic>
+      <p:pic>
+        <p:nvPicPr>
+          <p:cNvPr id="4" name="그림 3">
+            <a:extLst>
+              <a:ext uri="{FF2B5EF4-FFF2-40B4-BE49-F238E27FC236}">
+                <a16:creationId xmlns:a16="http://schemas.microsoft.com/office/drawing/2014/main" id="{85D40F1C-E1A2-4BD2-A5C9-F2081442F557}"/>
+              </a:ext>
+            </a:extLst>
+          </p:cNvPr>
+          <p:cNvPicPr>
+            <a:picLocks noChangeAspect="1"/>
+          </p:cNvPicPr>
+          <p:nvPr/>
+        </p:nvPicPr>
+        <p:blipFill>
+          <a:blip r:embed="rId4"/>
+          <a:stretch>
+            <a:fillRect/>
+          </a:stretch>
+        </p:blipFill>
+        <p:spPr>
+          <a:xfrm>
+            <a:off x="4853746" y="1400872"/>
+            <a:ext cx="2538605" cy="2538605"/>
           </a:xfrm>
           <a:prstGeom prst="rect">
             <a:avLst/>
